--- a/doc/VAS.pptx
+++ b/doc/VAS.pptx
@@ -104,6 +104,11 @@
       </a:defRPr>
     </a:lvl9pPr>
   </p:defaultTextStyle>
+  <p:extLst>
+    <p:ext uri="{EFAFB233-063F-42B5-8137-9DF3F51BA10A}">
+      <p15:sldGuideLst xmlns:p15="http://schemas.microsoft.com/office/powerpoint/2012/main"/>
+    </p:ext>
+  </p:extLst>
 </p:presentation>
 </file>
 
@@ -254,7 +259,7 @@
           <a:p>
             <a:fld id="{7AF2A6A7-06AA-48C4-B0F8-59626ADA9062}" type="datetimeFigureOut">
               <a:rPr lang="en-US" smtClean="0"/>
-              <a:t>7/23/2019</a:t>
+              <a:t>7/24/19</a:t>
             </a:fld>
             <a:endParaRPr lang="en-US"/>
           </a:p>
@@ -452,7 +457,7 @@
           <a:p>
             <a:fld id="{7AF2A6A7-06AA-48C4-B0F8-59626ADA9062}" type="datetimeFigureOut">
               <a:rPr lang="en-US" smtClean="0"/>
-              <a:t>7/23/2019</a:t>
+              <a:t>7/24/19</a:t>
             </a:fld>
             <a:endParaRPr lang="en-US"/>
           </a:p>
@@ -660,7 +665,7 @@
           <a:p>
             <a:fld id="{7AF2A6A7-06AA-48C4-B0F8-59626ADA9062}" type="datetimeFigureOut">
               <a:rPr lang="en-US" smtClean="0"/>
-              <a:t>7/23/2019</a:t>
+              <a:t>7/24/19</a:t>
             </a:fld>
             <a:endParaRPr lang="en-US"/>
           </a:p>
@@ -858,7 +863,7 @@
           <a:p>
             <a:fld id="{7AF2A6A7-06AA-48C4-B0F8-59626ADA9062}" type="datetimeFigureOut">
               <a:rPr lang="en-US" smtClean="0"/>
-              <a:t>7/23/2019</a:t>
+              <a:t>7/24/19</a:t>
             </a:fld>
             <a:endParaRPr lang="en-US"/>
           </a:p>
@@ -1133,7 +1138,7 @@
           <a:p>
             <a:fld id="{7AF2A6A7-06AA-48C4-B0F8-59626ADA9062}" type="datetimeFigureOut">
               <a:rPr lang="en-US" smtClean="0"/>
-              <a:t>7/23/2019</a:t>
+              <a:t>7/24/19</a:t>
             </a:fld>
             <a:endParaRPr lang="en-US"/>
           </a:p>
@@ -1398,7 +1403,7 @@
           <a:p>
             <a:fld id="{7AF2A6A7-06AA-48C4-B0F8-59626ADA9062}" type="datetimeFigureOut">
               <a:rPr lang="en-US" smtClean="0"/>
-              <a:t>7/23/2019</a:t>
+              <a:t>7/24/19</a:t>
             </a:fld>
             <a:endParaRPr lang="en-US"/>
           </a:p>
@@ -1810,7 +1815,7 @@
           <a:p>
             <a:fld id="{7AF2A6A7-06AA-48C4-B0F8-59626ADA9062}" type="datetimeFigureOut">
               <a:rPr lang="en-US" smtClean="0"/>
-              <a:t>7/23/2019</a:t>
+              <a:t>7/24/19</a:t>
             </a:fld>
             <a:endParaRPr lang="en-US"/>
           </a:p>
@@ -1951,7 +1956,7 @@
           <a:p>
             <a:fld id="{7AF2A6A7-06AA-48C4-B0F8-59626ADA9062}" type="datetimeFigureOut">
               <a:rPr lang="en-US" smtClean="0"/>
-              <a:t>7/23/2019</a:t>
+              <a:t>7/24/19</a:t>
             </a:fld>
             <a:endParaRPr lang="en-US"/>
           </a:p>
@@ -2064,7 +2069,7 @@
           <a:p>
             <a:fld id="{7AF2A6A7-06AA-48C4-B0F8-59626ADA9062}" type="datetimeFigureOut">
               <a:rPr lang="en-US" smtClean="0"/>
-              <a:t>7/23/2019</a:t>
+              <a:t>7/24/19</a:t>
             </a:fld>
             <a:endParaRPr lang="en-US"/>
           </a:p>
@@ -2375,7 +2380,7 @@
           <a:p>
             <a:fld id="{7AF2A6A7-06AA-48C4-B0F8-59626ADA9062}" type="datetimeFigureOut">
               <a:rPr lang="en-US" smtClean="0"/>
-              <a:t>7/23/2019</a:t>
+              <a:t>7/24/19</a:t>
             </a:fld>
             <a:endParaRPr lang="en-US"/>
           </a:p>
@@ -2663,7 +2668,7 @@
           <a:p>
             <a:fld id="{7AF2A6A7-06AA-48C4-B0F8-59626ADA9062}" type="datetimeFigureOut">
               <a:rPr lang="en-US" smtClean="0"/>
-              <a:t>7/23/2019</a:t>
+              <a:t>7/24/19</a:t>
             </a:fld>
             <a:endParaRPr lang="en-US"/>
           </a:p>
@@ -2904,7 +2909,7 @@
           <a:p>
             <a:fld id="{7AF2A6A7-06AA-48C4-B0F8-59626ADA9062}" type="datetimeFigureOut">
               <a:rPr lang="en-US" smtClean="0"/>
-              <a:t>7/23/2019</a:t>
+              <a:t>7/24/19</a:t>
             </a:fld>
             <a:endParaRPr lang="en-US"/>
           </a:p>
@@ -3336,19 +3341,28 @@
           <p:nvPr/>
         </p:nvPicPr>
         <p:blipFill>
-          <a:blip r:embed="rId2"/>
+          <a:blip r:embed="rId2">
+            <a:duotone>
+              <a:prstClr val="black"/>
+              <a:schemeClr val="accent6">
+                <a:tint val="45000"/>
+                <a:satMod val="400000"/>
+              </a:schemeClr>
+            </a:duotone>
+          </a:blip>
           <a:stretch>
             <a:fillRect/>
           </a:stretch>
         </p:blipFill>
         <p:spPr>
           <a:xfrm>
-            <a:off x="147504" y="1745533"/>
+            <a:off x="239993" y="3013561"/>
             <a:ext cx="1037679" cy="2034665"/>
           </a:xfrm>
           <a:prstGeom prst="rect">
             <a:avLst/>
           </a:prstGeom>
+          <a:noFill/>
         </p:spPr>
       </p:pic>
       <p:sp>
@@ -3371,7 +3385,12 @@
           <a:prstGeom prst="rect">
             <a:avLst/>
           </a:prstGeom>
-          <a:noFill/>
+          <a:solidFill>
+            <a:schemeClr val="accent1">
+              <a:lumMod val="60000"/>
+              <a:lumOff val="40000"/>
+            </a:schemeClr>
+          </a:solidFill>
           <a:ln>
             <a:solidFill>
               <a:schemeClr val="tx1"/>
@@ -3543,7 +3562,7 @@
         <p:spPr>
           <a:xfrm>
             <a:off x="6096000" y="564595"/>
-            <a:ext cx="796413" cy="894736"/>
+            <a:ext cx="929268" cy="894736"/>
           </a:xfrm>
           <a:prstGeom prst="foldedCorner">
             <a:avLst/>
@@ -3582,18 +3601,7 @@
                   <a:schemeClr val="tx1"/>
                 </a:solidFill>
               </a:rPr>
-              <a:t>Terra</a:t>
-            </a:r>
-          </a:p>
-          <a:p>
-            <a:pPr algn="ctr"/>
-            <a:r>
-              <a:rPr lang="en-US" sz="1400" dirty="0">
-                <a:solidFill>
-                  <a:schemeClr val="tx1"/>
-                </a:solidFill>
-              </a:rPr>
-              <a:t>form</a:t>
+              <a:t>Terraform</a:t>
             </a:r>
           </a:p>
         </p:txBody>
@@ -3744,7 +3752,15 @@
           <p:nvPr/>
         </p:nvPicPr>
         <p:blipFill>
-          <a:blip r:embed="rId2"/>
+          <a:blip r:embed="rId2">
+            <a:duotone>
+              <a:prstClr val="black"/>
+              <a:schemeClr val="accent6">
+                <a:tint val="45000"/>
+                <a:satMod val="400000"/>
+              </a:schemeClr>
+            </a:duotone>
+          </a:blip>
           <a:stretch>
             <a:fillRect/>
           </a:stretch>
@@ -3757,6 +3773,7 @@
           <a:prstGeom prst="rect">
             <a:avLst/>
           </a:prstGeom>
+          <a:noFill/>
         </p:spPr>
       </p:pic>
       <p:sp>
@@ -3779,6 +3796,61 @@
           <a:prstGeom prst="cloud">
             <a:avLst/>
           </a:prstGeom>
+        </p:spPr>
+        <p:style>
+          <a:lnRef idx="2">
+            <a:schemeClr val="dk1"/>
+          </a:lnRef>
+          <a:fillRef idx="1">
+            <a:schemeClr val="lt1"/>
+          </a:fillRef>
+          <a:effectRef idx="0">
+            <a:schemeClr val="dk1"/>
+          </a:effectRef>
+          <a:fontRef idx="minor">
+            <a:schemeClr val="dk1"/>
+          </a:fontRef>
+        </p:style>
+        <p:txBody>
+          <a:bodyPr rtlCol="0" anchor="ctr"/>
+          <a:lstStyle/>
+          <a:p>
+            <a:pPr algn="ctr"/>
+            <a:endParaRPr lang="en-US"/>
+          </a:p>
+        </p:txBody>
+      </p:sp>
+      <p:sp>
+        <p:nvSpPr>
+          <p:cNvPr id="19" name="Arrow: Right 18">
+            <a:extLst>
+              <a:ext uri="{FF2B5EF4-FFF2-40B4-BE49-F238E27FC236}">
+                <a16:creationId xmlns:a16="http://schemas.microsoft.com/office/drawing/2014/main" id="{C7DFC1A3-32A7-4BB1-8068-6C6E43AFB353}"/>
+              </a:ext>
+            </a:extLst>
+          </p:cNvPr>
+          <p:cNvSpPr/>
+          <p:nvPr/>
+        </p:nvSpPr>
+        <p:spPr>
+          <a:xfrm rot="18948882">
+            <a:off x="1356926" y="3284608"/>
+            <a:ext cx="997579" cy="363795"/>
+          </a:xfrm>
+          <a:prstGeom prst="rightArrow">
+            <a:avLst/>
+          </a:prstGeom>
+          <a:solidFill>
+            <a:schemeClr val="tx1">
+              <a:lumMod val="95000"/>
+              <a:lumOff val="5000"/>
+            </a:schemeClr>
+          </a:solidFill>
+          <a:ln>
+            <a:solidFill>
+              <a:schemeClr val="tx1"/>
+            </a:solidFill>
+          </a:ln>
         </p:spPr>
         <p:style>
           <a:lnRef idx="2">
@@ -3807,25 +3879,142 @@
       </p:sp>
       <p:sp>
         <p:nvSpPr>
-          <p:cNvPr id="19" name="Arrow: Right 18">
-            <a:extLst>
-              <a:ext uri="{FF2B5EF4-FFF2-40B4-BE49-F238E27FC236}">
-                <a16:creationId xmlns:a16="http://schemas.microsoft.com/office/drawing/2014/main" id="{C7DFC1A3-32A7-4BB1-8068-6C6E43AFB353}"/>
-              </a:ext>
-            </a:extLst>
-          </p:cNvPr>
-          <p:cNvSpPr/>
+          <p:cNvPr id="21" name="TextBox 20">
+            <a:extLst>
+              <a:ext uri="{FF2B5EF4-FFF2-40B4-BE49-F238E27FC236}">
+                <a16:creationId xmlns:a16="http://schemas.microsoft.com/office/drawing/2014/main" id="{12EE5ED0-E427-4BCD-8856-E50C1121D26B}"/>
+              </a:ext>
+            </a:extLst>
+          </p:cNvPr>
+          <p:cNvSpPr txBox="1"/>
           <p:nvPr/>
         </p:nvSpPr>
         <p:spPr>
           <a:xfrm>
-            <a:off x="1273673" y="2399071"/>
-            <a:ext cx="997579" cy="363795"/>
-          </a:xfrm>
-          <a:prstGeom prst="rightArrow">
+            <a:off x="8593637" y="5356077"/>
+            <a:ext cx="1037679" cy="584775"/>
+          </a:xfrm>
+          <a:prstGeom prst="rect">
             <a:avLst/>
           </a:prstGeom>
           <a:noFill/>
+        </p:spPr>
+        <p:txBody>
+          <a:bodyPr wrap="square" rtlCol="0">
+            <a:spAutoFit/>
+          </a:bodyPr>
+          <a:lstStyle/>
+          <a:p>
+            <a:pPr algn="ctr"/>
+            <a:r>
+              <a:rPr lang="en-US" sz="1600" dirty="0"/>
+              <a:t>Resources created </a:t>
+            </a:r>
+          </a:p>
+        </p:txBody>
+      </p:sp>
+      <p:sp>
+        <p:nvSpPr>
+          <p:cNvPr id="34" name="TextBox 33">
+            <a:extLst>
+              <a:ext uri="{FF2B5EF4-FFF2-40B4-BE49-F238E27FC236}">
+                <a16:creationId xmlns:a16="http://schemas.microsoft.com/office/drawing/2014/main" id="{71F25328-8201-4E5D-BE65-8343C4D070C1}"/>
+              </a:ext>
+            </a:extLst>
+          </p:cNvPr>
+          <p:cNvSpPr txBox="1"/>
+          <p:nvPr/>
+        </p:nvSpPr>
+        <p:spPr>
+          <a:xfrm>
+            <a:off x="5632927" y="804605"/>
+            <a:ext cx="403544" cy="338554"/>
+          </a:xfrm>
+          <a:prstGeom prst="rect">
+            <a:avLst/>
+          </a:prstGeom>
+          <a:noFill/>
+        </p:spPr>
+        <p:txBody>
+          <a:bodyPr wrap="square" rtlCol="0">
+            <a:spAutoFit/>
+          </a:bodyPr>
+          <a:lstStyle/>
+          <a:p>
+            <a:pPr algn="ctr"/>
+            <a:r>
+              <a:rPr lang="en-US" sz="1600" dirty="0"/>
+              <a:t>or</a:t>
+            </a:r>
+          </a:p>
+        </p:txBody>
+      </p:sp>
+      <p:sp>
+        <p:nvSpPr>
+          <p:cNvPr id="35" name="TextBox 34">
+            <a:extLst>
+              <a:ext uri="{FF2B5EF4-FFF2-40B4-BE49-F238E27FC236}">
+                <a16:creationId xmlns:a16="http://schemas.microsoft.com/office/drawing/2014/main" id="{B0476DFD-7CAD-4763-85A6-EAB048788526}"/>
+              </a:ext>
+            </a:extLst>
+          </p:cNvPr>
+          <p:cNvSpPr txBox="1"/>
+          <p:nvPr/>
+        </p:nvSpPr>
+        <p:spPr>
+          <a:xfrm>
+            <a:off x="5640954" y="3463680"/>
+            <a:ext cx="403544" cy="338554"/>
+          </a:xfrm>
+          <a:prstGeom prst="rect">
+            <a:avLst/>
+          </a:prstGeom>
+          <a:noFill/>
+        </p:spPr>
+        <p:txBody>
+          <a:bodyPr wrap="square" rtlCol="0">
+            <a:spAutoFit/>
+          </a:bodyPr>
+          <a:lstStyle/>
+          <a:p>
+            <a:pPr algn="ctr"/>
+            <a:r>
+              <a:rPr lang="en-US" sz="1600" dirty="0"/>
+              <a:t>or</a:t>
+            </a:r>
+          </a:p>
+        </p:txBody>
+      </p:sp>
+      <p:sp>
+        <p:nvSpPr>
+          <p:cNvPr id="36" name="Arrow: Bent-Up 35">
+            <a:extLst>
+              <a:ext uri="{FF2B5EF4-FFF2-40B4-BE49-F238E27FC236}">
+                <a16:creationId xmlns:a16="http://schemas.microsoft.com/office/drawing/2014/main" id="{DE51A88C-077D-43BD-9D09-2DFF508DA6B5}"/>
+              </a:ext>
+            </a:extLst>
+          </p:cNvPr>
+          <p:cNvSpPr/>
+          <p:nvPr/>
+        </p:nvSpPr>
+        <p:spPr>
+          <a:xfrm rot="5400000">
+            <a:off x="5837763" y="4355739"/>
+            <a:ext cx="1069256" cy="1059329"/>
+          </a:xfrm>
+          <a:prstGeom prst="bentUpArrow">
+            <a:avLst>
+              <a:gd name="adj1" fmla="val 18985"/>
+              <a:gd name="adj2" fmla="val 25000"/>
+              <a:gd name="adj3" fmla="val 25000"/>
+            </a:avLst>
+          </a:prstGeom>
+          <a:solidFill>
+            <a:schemeClr val="tx1">
+              <a:lumMod val="95000"/>
+              <a:lumOff val="5000"/>
+            </a:schemeClr>
+          </a:solidFill>
           <a:ln>
             <a:solidFill>
               <a:schemeClr val="tx1"/>
@@ -3859,250 +4048,19 @@
       </p:sp>
       <p:sp>
         <p:nvSpPr>
-          <p:cNvPr id="21" name="TextBox 20">
-            <a:extLst>
-              <a:ext uri="{FF2B5EF4-FFF2-40B4-BE49-F238E27FC236}">
-                <a16:creationId xmlns:a16="http://schemas.microsoft.com/office/drawing/2014/main" id="{12EE5ED0-E427-4BCD-8856-E50C1121D26B}"/>
-              </a:ext>
-            </a:extLst>
-          </p:cNvPr>
-          <p:cNvSpPr txBox="1"/>
+          <p:cNvPr id="37" name="Arrow: Bent-Up 36">
+            <a:extLst>
+              <a:ext uri="{FF2B5EF4-FFF2-40B4-BE49-F238E27FC236}">
+                <a16:creationId xmlns:a16="http://schemas.microsoft.com/office/drawing/2014/main" id="{5E6C74CC-6E56-47B6-8E7B-859DEF850EE6}"/>
+              </a:ext>
+            </a:extLst>
+          </p:cNvPr>
+          <p:cNvSpPr/>
           <p:nvPr/>
         </p:nvSpPr>
         <p:spPr>
           <a:xfrm>
-            <a:off x="8593637" y="5356077"/>
-            <a:ext cx="1037679" cy="584775"/>
-          </a:xfrm>
-          <a:prstGeom prst="rect">
-            <a:avLst/>
-          </a:prstGeom>
-          <a:noFill/>
-        </p:spPr>
-        <p:txBody>
-          <a:bodyPr wrap="square" rtlCol="0">
-            <a:spAutoFit/>
-          </a:bodyPr>
-          <a:lstStyle/>
-          <a:p>
-            <a:pPr algn="ctr"/>
-            <a:r>
-              <a:rPr lang="en-US" sz="1600" dirty="0"/>
-              <a:t>Resources created </a:t>
-            </a:r>
-          </a:p>
-        </p:txBody>
-      </p:sp>
-      <p:cxnSp>
-        <p:nvCxnSpPr>
-          <p:cNvPr id="24" name="Straight Arrow Connector 23">
-            <a:extLst>
-              <a:ext uri="{FF2B5EF4-FFF2-40B4-BE49-F238E27FC236}">
-                <a16:creationId xmlns:a16="http://schemas.microsoft.com/office/drawing/2014/main" id="{0B433D99-8E5E-43EE-AED9-7498CE64D3DA}"/>
-              </a:ext>
-            </a:extLst>
-          </p:cNvPr>
-          <p:cNvCxnSpPr>
-            <a:cxnSpLocks/>
-          </p:cNvCxnSpPr>
-          <p:nvPr/>
-        </p:nvCxnSpPr>
-        <p:spPr>
-          <a:xfrm flipV="1">
-            <a:off x="4036143" y="1042219"/>
-            <a:ext cx="644012" cy="964321"/>
-          </a:xfrm>
-          <a:prstGeom prst="straightConnector1">
-            <a:avLst/>
-          </a:prstGeom>
-          <a:ln>
-            <a:tailEnd type="triangle"/>
-          </a:ln>
-        </p:spPr>
-        <p:style>
-          <a:lnRef idx="3">
-            <a:schemeClr val="dk1"/>
-          </a:lnRef>
-          <a:fillRef idx="0">
-            <a:schemeClr val="dk1"/>
-          </a:fillRef>
-          <a:effectRef idx="2">
-            <a:schemeClr val="dk1"/>
-          </a:effectRef>
-          <a:fontRef idx="minor">
-            <a:schemeClr val="tx1"/>
-          </a:fontRef>
-        </p:style>
-      </p:cxnSp>
-      <p:cxnSp>
-        <p:nvCxnSpPr>
-          <p:cNvPr id="26" name="Straight Arrow Connector 25">
-            <a:extLst>
-              <a:ext uri="{FF2B5EF4-FFF2-40B4-BE49-F238E27FC236}">
-                <a16:creationId xmlns:a16="http://schemas.microsoft.com/office/drawing/2014/main" id="{1177F03D-6228-4883-8CAF-284CF69B7F97}"/>
-              </a:ext>
-            </a:extLst>
-          </p:cNvPr>
-          <p:cNvCxnSpPr>
-            <a:cxnSpLocks/>
-          </p:cNvCxnSpPr>
-          <p:nvPr/>
-        </p:nvCxnSpPr>
-        <p:spPr>
-          <a:xfrm>
-            <a:off x="4016480" y="2330308"/>
-            <a:ext cx="663675" cy="0"/>
-          </a:xfrm>
-          <a:prstGeom prst="straightConnector1">
-            <a:avLst/>
-          </a:prstGeom>
-          <a:ln>
-            <a:tailEnd type="triangle"/>
-          </a:ln>
-        </p:spPr>
-        <p:style>
-          <a:lnRef idx="3">
-            <a:schemeClr val="dk1"/>
-          </a:lnRef>
-          <a:fillRef idx="0">
-            <a:schemeClr val="dk1"/>
-          </a:fillRef>
-          <a:effectRef idx="2">
-            <a:schemeClr val="dk1"/>
-          </a:effectRef>
-          <a:fontRef idx="minor">
-            <a:schemeClr val="tx1"/>
-          </a:fontRef>
-        </p:style>
-      </p:cxnSp>
-      <p:cxnSp>
-        <p:nvCxnSpPr>
-          <p:cNvPr id="29" name="Straight Arrow Connector 28">
-            <a:extLst>
-              <a:ext uri="{FF2B5EF4-FFF2-40B4-BE49-F238E27FC236}">
-                <a16:creationId xmlns:a16="http://schemas.microsoft.com/office/drawing/2014/main" id="{D1041B01-8FFA-41F9-BB38-3C8AEDCE558F}"/>
-              </a:ext>
-            </a:extLst>
-          </p:cNvPr>
-          <p:cNvCxnSpPr>
-            <a:cxnSpLocks/>
-          </p:cNvCxnSpPr>
-          <p:nvPr/>
-        </p:nvCxnSpPr>
-        <p:spPr>
-          <a:xfrm>
-            <a:off x="4031135" y="2580968"/>
-            <a:ext cx="649020" cy="948813"/>
-          </a:xfrm>
-          <a:prstGeom prst="straightConnector1">
-            <a:avLst/>
-          </a:prstGeom>
-          <a:ln>
-            <a:tailEnd type="triangle"/>
-          </a:ln>
-        </p:spPr>
-        <p:style>
-          <a:lnRef idx="3">
-            <a:schemeClr val="dk1"/>
-          </a:lnRef>
-          <a:fillRef idx="0">
-            <a:schemeClr val="dk1"/>
-          </a:fillRef>
-          <a:effectRef idx="2">
-            <a:schemeClr val="dk1"/>
-          </a:effectRef>
-          <a:fontRef idx="minor">
-            <a:schemeClr val="tx1"/>
-          </a:fontRef>
-        </p:style>
-      </p:cxnSp>
-      <p:sp>
-        <p:nvSpPr>
-          <p:cNvPr id="34" name="TextBox 33">
-            <a:extLst>
-              <a:ext uri="{FF2B5EF4-FFF2-40B4-BE49-F238E27FC236}">
-                <a16:creationId xmlns:a16="http://schemas.microsoft.com/office/drawing/2014/main" id="{71F25328-8201-4E5D-BE65-8343C4D070C1}"/>
-              </a:ext>
-            </a:extLst>
-          </p:cNvPr>
-          <p:cNvSpPr txBox="1"/>
-          <p:nvPr/>
-        </p:nvSpPr>
-        <p:spPr>
-          <a:xfrm>
-            <a:off x="5599474" y="804605"/>
-            <a:ext cx="403544" cy="338554"/>
-          </a:xfrm>
-          <a:prstGeom prst="rect">
-            <a:avLst/>
-          </a:prstGeom>
-          <a:noFill/>
-        </p:spPr>
-        <p:txBody>
-          <a:bodyPr wrap="square" rtlCol="0">
-            <a:spAutoFit/>
-          </a:bodyPr>
-          <a:lstStyle/>
-          <a:p>
-            <a:pPr algn="ctr"/>
-            <a:r>
-              <a:rPr lang="en-US" sz="1600" dirty="0"/>
-              <a:t>or</a:t>
-            </a:r>
-          </a:p>
-        </p:txBody>
-      </p:sp>
-      <p:sp>
-        <p:nvSpPr>
-          <p:cNvPr id="35" name="TextBox 34">
-            <a:extLst>
-              <a:ext uri="{FF2B5EF4-FFF2-40B4-BE49-F238E27FC236}">
-                <a16:creationId xmlns:a16="http://schemas.microsoft.com/office/drawing/2014/main" id="{B0476DFD-7CAD-4763-85A6-EAB048788526}"/>
-              </a:ext>
-            </a:extLst>
-          </p:cNvPr>
-          <p:cNvSpPr txBox="1"/>
-          <p:nvPr/>
-        </p:nvSpPr>
-        <p:spPr>
-          <a:xfrm>
-            <a:off x="5640955" y="3360504"/>
-            <a:ext cx="403544" cy="338554"/>
-          </a:xfrm>
-          <a:prstGeom prst="rect">
-            <a:avLst/>
-          </a:prstGeom>
-          <a:noFill/>
-        </p:spPr>
-        <p:txBody>
-          <a:bodyPr wrap="square" rtlCol="0">
-            <a:spAutoFit/>
-          </a:bodyPr>
-          <a:lstStyle/>
-          <a:p>
-            <a:pPr algn="ctr"/>
-            <a:r>
-              <a:rPr lang="en-US" sz="1600" dirty="0"/>
-              <a:t>or</a:t>
-            </a:r>
-          </a:p>
-        </p:txBody>
-      </p:sp>
-      <p:sp>
-        <p:nvSpPr>
-          <p:cNvPr id="36" name="Arrow: Bent-Up 35">
-            <a:extLst>
-              <a:ext uri="{FF2B5EF4-FFF2-40B4-BE49-F238E27FC236}">
-                <a16:creationId xmlns:a16="http://schemas.microsoft.com/office/drawing/2014/main" id="{DE51A88C-077D-43BD-9D09-2DFF508DA6B5}"/>
-              </a:ext>
-            </a:extLst>
-          </p:cNvPr>
-          <p:cNvSpPr/>
-          <p:nvPr/>
-        </p:nvSpPr>
-        <p:spPr>
-          <a:xfrm rot="5400000">
-            <a:off x="5837763" y="4355739"/>
+            <a:off x="8679285" y="4242670"/>
             <a:ext cx="1069256" cy="1059329"/>
           </a:xfrm>
           <a:prstGeom prst="bentUpArrow">
@@ -4112,7 +4070,12 @@
               <a:gd name="adj3" fmla="val 25000"/>
             </a:avLst>
           </a:prstGeom>
-          <a:noFill/>
+          <a:solidFill>
+            <a:schemeClr val="tx1">
+              <a:lumMod val="95000"/>
+              <a:lumOff val="5000"/>
+            </a:schemeClr>
+          </a:solidFill>
           <a:ln>
             <a:solidFill>
               <a:schemeClr val="tx1"/>
@@ -4146,10 +4109,129 @@
       </p:sp>
       <p:sp>
         <p:nvSpPr>
-          <p:cNvPr id="37" name="Arrow: Bent-Up 36">
-            <a:extLst>
-              <a:ext uri="{FF2B5EF4-FFF2-40B4-BE49-F238E27FC236}">
-                <a16:creationId xmlns:a16="http://schemas.microsoft.com/office/drawing/2014/main" id="{5E6C74CC-6E56-47B6-8E7B-859DEF850EE6}"/>
+          <p:cNvPr id="38" name="TextBox 37">
+            <a:extLst>
+              <a:ext uri="{FF2B5EF4-FFF2-40B4-BE49-F238E27FC236}">
+                <a16:creationId xmlns:a16="http://schemas.microsoft.com/office/drawing/2014/main" id="{629A538E-BAF3-4B58-AB08-0AC3B8B076D2}"/>
+              </a:ext>
+            </a:extLst>
+          </p:cNvPr>
+          <p:cNvSpPr txBox="1"/>
+          <p:nvPr/>
+        </p:nvSpPr>
+        <p:spPr>
+          <a:xfrm>
+            <a:off x="5697982" y="5484028"/>
+            <a:ext cx="1037679" cy="584775"/>
+          </a:xfrm>
+          <a:prstGeom prst="rect">
+            <a:avLst/>
+          </a:prstGeom>
+          <a:noFill/>
+        </p:spPr>
+        <p:txBody>
+          <a:bodyPr wrap="square" rtlCol="0">
+            <a:spAutoFit/>
+          </a:bodyPr>
+          <a:lstStyle/>
+          <a:p>
+            <a:pPr algn="ctr"/>
+            <a:r>
+              <a:rPr lang="en-US" sz="1600" dirty="0"/>
+              <a:t>Execute script</a:t>
+            </a:r>
+          </a:p>
+        </p:txBody>
+      </p:sp>
+      <p:sp>
+        <p:nvSpPr>
+          <p:cNvPr id="40" name="TextBox 39">
+            <a:extLst>
+              <a:ext uri="{FF2B5EF4-FFF2-40B4-BE49-F238E27FC236}">
+                <a16:creationId xmlns:a16="http://schemas.microsoft.com/office/drawing/2014/main" id="{FE002D43-2482-4C89-AF77-CF646F895DB6}"/>
+              </a:ext>
+            </a:extLst>
+          </p:cNvPr>
+          <p:cNvSpPr txBox="1"/>
+          <p:nvPr/>
+        </p:nvSpPr>
+        <p:spPr>
+          <a:xfrm rot="18947187">
+            <a:off x="1004484" y="2883512"/>
+            <a:ext cx="1037679" cy="584775"/>
+          </a:xfrm>
+          <a:prstGeom prst="rect">
+            <a:avLst/>
+          </a:prstGeom>
+          <a:noFill/>
+        </p:spPr>
+        <p:txBody>
+          <a:bodyPr wrap="square" rtlCol="0">
+            <a:spAutoFit/>
+          </a:bodyPr>
+          <a:lstStyle/>
+          <a:p>
+            <a:pPr algn="ctr"/>
+            <a:r>
+              <a:rPr lang="en-US" sz="1600" dirty="0"/>
+              <a:t>Create  schematic</a:t>
+            </a:r>
+          </a:p>
+        </p:txBody>
+      </p:sp>
+      <p:pic>
+        <p:nvPicPr>
+          <p:cNvPr id="1026" name="Picture 2" descr="See the source image">
+            <a:extLst>
+              <a:ext uri="{FF2B5EF4-FFF2-40B4-BE49-F238E27FC236}">
+                <a16:creationId xmlns:a16="http://schemas.microsoft.com/office/drawing/2014/main" id="{6585D298-C531-9847-923A-82356F1CA232}"/>
+              </a:ext>
+            </a:extLst>
+          </p:cNvPr>
+          <p:cNvPicPr>
+            <a:picLocks noChangeAspect="1" noChangeArrowheads="1"/>
+          </p:cNvPicPr>
+          <p:nvPr/>
+        </p:nvPicPr>
+        <p:blipFill>
+          <a:blip r:embed="rId3">
+            <a:extLst>
+              <a:ext uri="{28A0092B-C50C-407E-A947-70E740481C1C}">
+                <a14:useLocalDpi xmlns:a14="http://schemas.microsoft.com/office/drawing/2010/main" val="0"/>
+              </a:ext>
+            </a:extLst>
+          </a:blip>
+          <a:srcRect/>
+          <a:stretch>
+            <a:fillRect/>
+          </a:stretch>
+        </p:blipFill>
+        <p:spPr bwMode="auto">
+          <a:xfrm>
+            <a:off x="8556846" y="2356829"/>
+            <a:ext cx="2809329" cy="812072"/>
+          </a:xfrm>
+          <a:prstGeom prst="rect">
+            <a:avLst/>
+          </a:prstGeom>
+          <a:noFill/>
+          <a:extLst>
+            <a:ext uri="{909E8E84-426E-40DD-AFC4-6F175D3DCCD1}">
+              <a14:hiddenFill xmlns:a14="http://schemas.microsoft.com/office/drawing/2010/main">
+                <a:solidFill>
+                  <a:srgbClr val="FFFFFF"/>
+                </a:solidFill>
+              </a14:hiddenFill>
+            </a:ext>
+          </a:extLst>
+        </p:spPr>
+      </p:pic>
+      <p:sp>
+        <p:nvSpPr>
+          <p:cNvPr id="23" name="Arrow: Right 18">
+            <a:extLst>
+              <a:ext uri="{FF2B5EF4-FFF2-40B4-BE49-F238E27FC236}">
+                <a16:creationId xmlns:a16="http://schemas.microsoft.com/office/drawing/2014/main" id="{B32BD18E-1F70-724F-8918-2B9FDA3DC55D}"/>
               </a:ext>
             </a:extLst>
           </p:cNvPr>
@@ -4158,17 +4240,18 @@
         </p:nvSpPr>
         <p:spPr>
           <a:xfrm>
-            <a:off x="8679285" y="4242670"/>
-            <a:ext cx="1069256" cy="1059329"/>
-          </a:xfrm>
-          <a:prstGeom prst="bentUpArrow">
-            <a:avLst>
-              <a:gd name="adj1" fmla="val 18985"/>
-              <a:gd name="adj2" fmla="val 25000"/>
-              <a:gd name="adj3" fmla="val 25000"/>
-            </a:avLst>
+            <a:off x="4032709" y="2333722"/>
+            <a:ext cx="673149" cy="363795"/>
+          </a:xfrm>
+          <a:prstGeom prst="rightArrow">
+            <a:avLst/>
           </a:prstGeom>
-          <a:noFill/>
+          <a:solidFill>
+            <a:schemeClr val="tx1">
+              <a:lumMod val="95000"/>
+              <a:lumOff val="5000"/>
+            </a:schemeClr>
+          </a:solidFill>
           <a:ln>
             <a:solidFill>
               <a:schemeClr val="tx1"/>
@@ -4202,61 +4285,584 @@
       </p:sp>
       <p:sp>
         <p:nvSpPr>
-          <p:cNvPr id="38" name="TextBox 37">
-            <a:extLst>
-              <a:ext uri="{FF2B5EF4-FFF2-40B4-BE49-F238E27FC236}">
-                <a16:creationId xmlns:a16="http://schemas.microsoft.com/office/drawing/2014/main" id="{629A538E-BAF3-4B58-AB08-0AC3B8B076D2}"/>
-              </a:ext>
-            </a:extLst>
-          </p:cNvPr>
-          <p:cNvSpPr txBox="1"/>
+          <p:cNvPr id="25" name="Arrow: Right 18">
+            <a:extLst>
+              <a:ext uri="{FF2B5EF4-FFF2-40B4-BE49-F238E27FC236}">
+                <a16:creationId xmlns:a16="http://schemas.microsoft.com/office/drawing/2014/main" id="{1D6B08C2-E442-0B4B-9AC0-9A9751692933}"/>
+              </a:ext>
+            </a:extLst>
+          </p:cNvPr>
+          <p:cNvSpPr/>
           <p:nvPr/>
         </p:nvSpPr>
         <p:spPr>
+          <a:xfrm rot="19439185">
+            <a:off x="4025336" y="1106037"/>
+            <a:ext cx="673149" cy="363795"/>
+          </a:xfrm>
+          <a:prstGeom prst="rightArrow">
+            <a:avLst/>
+          </a:prstGeom>
+          <a:solidFill>
+            <a:schemeClr val="tx1">
+              <a:lumMod val="95000"/>
+              <a:lumOff val="5000"/>
+            </a:schemeClr>
+          </a:solidFill>
+          <a:ln>
+            <a:solidFill>
+              <a:schemeClr val="tx1"/>
+            </a:solidFill>
+          </a:ln>
+        </p:spPr>
+        <p:style>
+          <a:lnRef idx="2">
+            <a:schemeClr val="accent1">
+              <a:shade val="50000"/>
+            </a:schemeClr>
+          </a:lnRef>
+          <a:fillRef idx="1">
+            <a:schemeClr val="accent1"/>
+          </a:fillRef>
+          <a:effectRef idx="0">
+            <a:schemeClr val="accent1"/>
+          </a:effectRef>
+          <a:fontRef idx="minor">
+            <a:schemeClr val="lt1"/>
+          </a:fontRef>
+        </p:style>
+        <p:txBody>
+          <a:bodyPr rtlCol="0" anchor="ctr"/>
+          <a:lstStyle/>
+          <a:p>
+            <a:pPr algn="ctr"/>
+            <a:endParaRPr lang="en-US"/>
+          </a:p>
+        </p:txBody>
+      </p:sp>
+      <p:sp>
+        <p:nvSpPr>
+          <p:cNvPr id="27" name="Arrow: Right 18">
+            <a:extLst>
+              <a:ext uri="{FF2B5EF4-FFF2-40B4-BE49-F238E27FC236}">
+                <a16:creationId xmlns:a16="http://schemas.microsoft.com/office/drawing/2014/main" id="{B0A6A1FC-A420-0E48-81AE-E9E72CE5D806}"/>
+              </a:ext>
+            </a:extLst>
+          </p:cNvPr>
+          <p:cNvSpPr/>
+          <p:nvPr/>
+        </p:nvSpPr>
+        <p:spPr>
+          <a:xfrm rot="2227698">
+            <a:off x="4012327" y="3347883"/>
+            <a:ext cx="673149" cy="363795"/>
+          </a:xfrm>
+          <a:prstGeom prst="rightArrow">
+            <a:avLst/>
+          </a:prstGeom>
+          <a:solidFill>
+            <a:schemeClr val="tx1">
+              <a:lumMod val="95000"/>
+              <a:lumOff val="5000"/>
+            </a:schemeClr>
+          </a:solidFill>
+          <a:ln>
+            <a:solidFill>
+              <a:schemeClr val="tx1"/>
+            </a:solidFill>
+          </a:ln>
+        </p:spPr>
+        <p:style>
+          <a:lnRef idx="2">
+            <a:schemeClr val="accent1">
+              <a:shade val="50000"/>
+            </a:schemeClr>
+          </a:lnRef>
+          <a:fillRef idx="1">
+            <a:schemeClr val="accent1"/>
+          </a:fillRef>
+          <a:effectRef idx="0">
+            <a:schemeClr val="accent1"/>
+          </a:effectRef>
+          <a:fontRef idx="minor">
+            <a:schemeClr val="lt1"/>
+          </a:fontRef>
+        </p:style>
+        <p:txBody>
+          <a:bodyPr rtlCol="0" anchor="ctr"/>
+          <a:lstStyle/>
+          <a:p>
+            <a:pPr algn="ctr"/>
+            <a:endParaRPr lang="en-US"/>
+          </a:p>
+        </p:txBody>
+      </p:sp>
+      <p:pic>
+        <p:nvPicPr>
+          <p:cNvPr id="1028" name="Picture 4" descr="See the source image">
+            <a:extLst>
+              <a:ext uri="{FF2B5EF4-FFF2-40B4-BE49-F238E27FC236}">
+                <a16:creationId xmlns:a16="http://schemas.microsoft.com/office/drawing/2014/main" id="{791088B1-AF37-8347-BF7D-1F87E05814E3}"/>
+              </a:ext>
+            </a:extLst>
+          </p:cNvPr>
+          <p:cNvPicPr>
+            <a:picLocks noChangeAspect="1" noChangeArrowheads="1"/>
+          </p:cNvPicPr>
+          <p:nvPr/>
+        </p:nvPicPr>
+        <p:blipFill>
+          <a:blip r:embed="rId4">
+            <a:extLst>
+              <a:ext uri="{28A0092B-C50C-407E-A947-70E740481C1C}">
+                <a14:useLocalDpi xmlns:a14="http://schemas.microsoft.com/office/drawing/2010/main" val="0"/>
+              </a:ext>
+            </a:extLst>
+          </a:blip>
+          <a:srcRect/>
+          <a:stretch>
+            <a:fillRect/>
+          </a:stretch>
+        </p:blipFill>
+        <p:spPr bwMode="auto">
           <a:xfrm>
-            <a:off x="5697982" y="5484028"/>
-            <a:ext cx="1037679" cy="584775"/>
+            <a:off x="5038636" y="1109706"/>
+            <a:ext cx="403544" cy="250116"/>
           </a:xfrm>
           <a:prstGeom prst="rect">
             <a:avLst/>
           </a:prstGeom>
           <a:noFill/>
-        </p:spPr>
-        <p:txBody>
-          <a:bodyPr wrap="square" rtlCol="0">
-            <a:spAutoFit/>
-          </a:bodyPr>
-          <a:lstStyle/>
-          <a:p>
-            <a:pPr algn="ctr"/>
-            <a:r>
-              <a:rPr lang="en-US" sz="1600" dirty="0"/>
-              <a:t>Execute script</a:t>
-            </a:r>
-          </a:p>
-        </p:txBody>
-      </p:sp>
-      <p:sp>
-        <p:nvSpPr>
-          <p:cNvPr id="40" name="TextBox 39">
-            <a:extLst>
-              <a:ext uri="{FF2B5EF4-FFF2-40B4-BE49-F238E27FC236}">
-                <a16:creationId xmlns:a16="http://schemas.microsoft.com/office/drawing/2014/main" id="{FE002D43-2482-4C89-AF77-CF646F895DB6}"/>
-              </a:ext>
-            </a:extLst>
-          </p:cNvPr>
-          <p:cNvSpPr txBox="1"/>
+          <a:extLst>
+            <a:ext uri="{909E8E84-426E-40DD-AFC4-6F175D3DCCD1}">
+              <a14:hiddenFill xmlns:a14="http://schemas.microsoft.com/office/drawing/2010/main">
+                <a:solidFill>
+                  <a:srgbClr val="FFFFFF"/>
+                </a:solidFill>
+              </a14:hiddenFill>
+            </a:ext>
+          </a:extLst>
+        </p:spPr>
+      </p:pic>
+      <p:pic>
+        <p:nvPicPr>
+          <p:cNvPr id="28" name="Picture 4" descr="See the source image">
+            <a:extLst>
+              <a:ext uri="{FF2B5EF4-FFF2-40B4-BE49-F238E27FC236}">
+                <a16:creationId xmlns:a16="http://schemas.microsoft.com/office/drawing/2014/main" id="{DFE8062C-EDF2-494D-A944-AEFF3439BBE1}"/>
+              </a:ext>
+            </a:extLst>
+          </p:cNvPr>
+          <p:cNvPicPr>
+            <a:picLocks noChangeAspect="1" noChangeArrowheads="1"/>
+          </p:cNvPicPr>
           <p:nvPr/>
-        </p:nvSpPr>
-        <p:spPr>
+        </p:nvPicPr>
+        <p:blipFill>
+          <a:blip r:embed="rId4">
+            <a:extLst>
+              <a:ext uri="{28A0092B-C50C-407E-A947-70E740481C1C}">
+                <a14:useLocalDpi xmlns:a14="http://schemas.microsoft.com/office/drawing/2010/main" val="0"/>
+              </a:ext>
+            </a:extLst>
+          </a:blip>
+          <a:srcRect/>
+          <a:stretch>
+            <a:fillRect/>
+          </a:stretch>
+        </p:blipFill>
+        <p:spPr bwMode="auto">
           <a:xfrm>
-            <a:off x="1221281" y="1814296"/>
-            <a:ext cx="1037679" cy="584775"/>
+            <a:off x="6358862" y="1103485"/>
+            <a:ext cx="403544" cy="250116"/>
           </a:xfrm>
           <a:prstGeom prst="rect">
             <a:avLst/>
           </a:prstGeom>
           <a:noFill/>
+          <a:extLst>
+            <a:ext uri="{909E8E84-426E-40DD-AFC4-6F175D3DCCD1}">
+              <a14:hiddenFill xmlns:a14="http://schemas.microsoft.com/office/drawing/2010/main">
+                <a:solidFill>
+                  <a:srgbClr val="FFFFFF"/>
+                </a:solidFill>
+              </a14:hiddenFill>
+            </a:ext>
+          </a:extLst>
+        </p:spPr>
+      </p:pic>
+      <p:pic>
+        <p:nvPicPr>
+          <p:cNvPr id="1032" name="Picture 8" descr="See the source image">
+            <a:extLst>
+              <a:ext uri="{FF2B5EF4-FFF2-40B4-BE49-F238E27FC236}">
+                <a16:creationId xmlns:a16="http://schemas.microsoft.com/office/drawing/2014/main" id="{80A195A7-A3BD-6E4B-BD53-353C2D760D90}"/>
+              </a:ext>
+            </a:extLst>
+          </p:cNvPr>
+          <p:cNvPicPr>
+            <a:picLocks noChangeAspect="1" noChangeArrowheads="1"/>
+          </p:cNvPicPr>
+          <p:nvPr/>
+        </p:nvPicPr>
+        <p:blipFill>
+          <a:blip r:embed="rId5">
+            <a:extLst>
+              <a:ext uri="{28A0092B-C50C-407E-A947-70E740481C1C}">
+                <a14:useLocalDpi xmlns:a14="http://schemas.microsoft.com/office/drawing/2010/main" val="0"/>
+              </a:ext>
+            </a:extLst>
+          </a:blip>
+          <a:srcRect/>
+          <a:stretch>
+            <a:fillRect/>
+          </a:stretch>
+        </p:blipFill>
+        <p:spPr bwMode="auto">
+          <a:xfrm>
+            <a:off x="4980480" y="2386062"/>
+            <a:ext cx="360953" cy="360953"/>
+          </a:xfrm>
+          <a:prstGeom prst="rect">
+            <a:avLst/>
+          </a:prstGeom>
+          <a:noFill/>
+          <a:extLst>
+            <a:ext uri="{909E8E84-426E-40DD-AFC4-6F175D3DCCD1}">
+              <a14:hiddenFill xmlns:a14="http://schemas.microsoft.com/office/drawing/2010/main">
+                <a:solidFill>
+                  <a:srgbClr val="FFFFFF"/>
+                </a:solidFill>
+              </a14:hiddenFill>
+            </a:ext>
+          </a:extLst>
+        </p:spPr>
+      </p:pic>
+      <p:pic>
+        <p:nvPicPr>
+          <p:cNvPr id="1034" name="Picture 10" descr="See the source image">
+            <a:extLst>
+              <a:ext uri="{FF2B5EF4-FFF2-40B4-BE49-F238E27FC236}">
+                <a16:creationId xmlns:a16="http://schemas.microsoft.com/office/drawing/2014/main" id="{D598AD8C-BEFF-FB46-8CAA-99F448C8C480}"/>
+              </a:ext>
+            </a:extLst>
+          </p:cNvPr>
+          <p:cNvPicPr>
+            <a:picLocks noChangeAspect="1" noChangeArrowheads="1"/>
+          </p:cNvPicPr>
+          <p:nvPr/>
+        </p:nvPicPr>
+        <p:blipFill>
+          <a:blip r:embed="rId6">
+            <a:extLst>
+              <a:ext uri="{28A0092B-C50C-407E-A947-70E740481C1C}">
+                <a14:useLocalDpi xmlns:a14="http://schemas.microsoft.com/office/drawing/2010/main" val="0"/>
+              </a:ext>
+            </a:extLst>
+          </a:blip>
+          <a:srcRect/>
+          <a:stretch>
+            <a:fillRect/>
+          </a:stretch>
+        </p:blipFill>
+        <p:spPr bwMode="auto">
+          <a:xfrm>
+            <a:off x="5048079" y="3725030"/>
+            <a:ext cx="68758" cy="68758"/>
+          </a:xfrm>
+          <a:prstGeom prst="rect">
+            <a:avLst/>
+          </a:prstGeom>
+          <a:noFill/>
+          <a:extLst>
+            <a:ext uri="{909E8E84-426E-40DD-AFC4-6F175D3DCCD1}">
+              <a14:hiddenFill xmlns:a14="http://schemas.microsoft.com/office/drawing/2010/main">
+                <a:solidFill>
+                  <a:srgbClr val="FFFFFF"/>
+                </a:solidFill>
+              </a14:hiddenFill>
+            </a:ext>
+          </a:extLst>
+        </p:spPr>
+      </p:pic>
+      <p:pic>
+        <p:nvPicPr>
+          <p:cNvPr id="1036" name="Picture 12" descr="See the source image">
+            <a:extLst>
+              <a:ext uri="{FF2B5EF4-FFF2-40B4-BE49-F238E27FC236}">
+                <a16:creationId xmlns:a16="http://schemas.microsoft.com/office/drawing/2014/main" id="{F550F5FE-97D7-3B48-A3D2-DA6E7E443E14}"/>
+              </a:ext>
+            </a:extLst>
+          </p:cNvPr>
+          <p:cNvPicPr>
+            <a:picLocks noChangeAspect="1" noChangeArrowheads="1"/>
+          </p:cNvPicPr>
+          <p:nvPr/>
+        </p:nvPicPr>
+        <p:blipFill>
+          <a:blip r:embed="rId7">
+            <a:extLst>
+              <a:ext uri="{28A0092B-C50C-407E-A947-70E740481C1C}">
+                <a14:useLocalDpi xmlns:a14="http://schemas.microsoft.com/office/drawing/2010/main" val="0"/>
+              </a:ext>
+            </a:extLst>
+          </a:blip>
+          <a:srcRect/>
+          <a:stretch>
+            <a:fillRect/>
+          </a:stretch>
+        </p:blipFill>
+        <p:spPr bwMode="auto">
+          <a:xfrm>
+            <a:off x="5048079" y="3725030"/>
+            <a:ext cx="305864" cy="305864"/>
+          </a:xfrm>
+          <a:prstGeom prst="rect">
+            <a:avLst/>
+          </a:prstGeom>
+          <a:noFill/>
+          <a:extLst>
+            <a:ext uri="{909E8E84-426E-40DD-AFC4-6F175D3DCCD1}">
+              <a14:hiddenFill xmlns:a14="http://schemas.microsoft.com/office/drawing/2010/main">
+                <a:solidFill>
+                  <a:srgbClr val="FFFFFF"/>
+                </a:solidFill>
+              </a14:hiddenFill>
+            </a:ext>
+          </a:extLst>
+        </p:spPr>
+      </p:pic>
+      <p:pic>
+        <p:nvPicPr>
+          <p:cNvPr id="39" name="Picture 12" descr="See the source image">
+            <a:extLst>
+              <a:ext uri="{FF2B5EF4-FFF2-40B4-BE49-F238E27FC236}">
+                <a16:creationId xmlns:a16="http://schemas.microsoft.com/office/drawing/2014/main" id="{6548C9D8-F83A-8147-A379-D050F3F7EC8C}"/>
+              </a:ext>
+            </a:extLst>
+          </p:cNvPr>
+          <p:cNvPicPr>
+            <a:picLocks noChangeAspect="1" noChangeArrowheads="1"/>
+          </p:cNvPicPr>
+          <p:nvPr/>
+        </p:nvPicPr>
+        <p:blipFill>
+          <a:blip r:embed="rId7">
+            <a:extLst>
+              <a:ext uri="{28A0092B-C50C-407E-A947-70E740481C1C}">
+                <a14:useLocalDpi xmlns:a14="http://schemas.microsoft.com/office/drawing/2010/main" val="0"/>
+              </a:ext>
+            </a:extLst>
+          </a:blip>
+          <a:srcRect/>
+          <a:stretch>
+            <a:fillRect/>
+          </a:stretch>
+        </p:blipFill>
+        <p:spPr bwMode="auto">
+          <a:xfrm>
+            <a:off x="6350917" y="3749498"/>
+            <a:ext cx="305864" cy="305864"/>
+          </a:xfrm>
+          <a:prstGeom prst="rect">
+            <a:avLst/>
+          </a:prstGeom>
+          <a:noFill/>
+          <a:extLst>
+            <a:ext uri="{909E8E84-426E-40DD-AFC4-6F175D3DCCD1}">
+              <a14:hiddenFill xmlns:a14="http://schemas.microsoft.com/office/drawing/2010/main">
+                <a:solidFill>
+                  <a:srgbClr val="FFFFFF"/>
+                </a:solidFill>
+              </a14:hiddenFill>
+            </a:ext>
+          </a:extLst>
+        </p:spPr>
+      </p:pic>
+      <p:sp>
+        <p:nvSpPr>
+          <p:cNvPr id="41" name="Rectangle: Folded Corner 12">
+            <a:extLst>
+              <a:ext uri="{FF2B5EF4-FFF2-40B4-BE49-F238E27FC236}">
+                <a16:creationId xmlns:a16="http://schemas.microsoft.com/office/drawing/2014/main" id="{0E6B437A-172C-2544-9C59-AC09ABE4AE2C}"/>
+              </a:ext>
+            </a:extLst>
+          </p:cNvPr>
+          <p:cNvSpPr/>
+          <p:nvPr/>
+        </p:nvSpPr>
+        <p:spPr>
+          <a:xfrm>
+            <a:off x="399483" y="1011963"/>
+            <a:ext cx="796413" cy="894736"/>
+          </a:xfrm>
+          <a:prstGeom prst="foldedCorner">
+            <a:avLst/>
+          </a:prstGeom>
+          <a:noFill/>
+          <a:ln>
+            <a:solidFill>
+              <a:schemeClr val="tx1"/>
+            </a:solidFill>
+          </a:ln>
+        </p:spPr>
+        <p:style>
+          <a:lnRef idx="2">
+            <a:schemeClr val="accent1">
+              <a:shade val="50000"/>
+            </a:schemeClr>
+          </a:lnRef>
+          <a:fillRef idx="1">
+            <a:schemeClr val="accent1"/>
+          </a:fillRef>
+          <a:effectRef idx="0">
+            <a:schemeClr val="accent1"/>
+          </a:effectRef>
+          <a:fontRef idx="minor">
+            <a:schemeClr val="lt1"/>
+          </a:fontRef>
+        </p:style>
+        <p:txBody>
+          <a:bodyPr rtlCol="0" anchor="ctr"/>
+          <a:lstStyle/>
+          <a:p>
+            <a:pPr algn="ctr"/>
+            <a:r>
+              <a:rPr lang="en-US" sz="1400" dirty="0">
+                <a:solidFill>
+                  <a:schemeClr val="tx1"/>
+                </a:solidFill>
+              </a:rPr>
+              <a:t>ARM</a:t>
+            </a:r>
+          </a:p>
+        </p:txBody>
+      </p:sp>
+      <p:pic>
+        <p:nvPicPr>
+          <p:cNvPr id="42" name="Picture 4" descr="See the source image">
+            <a:extLst>
+              <a:ext uri="{FF2B5EF4-FFF2-40B4-BE49-F238E27FC236}">
+                <a16:creationId xmlns:a16="http://schemas.microsoft.com/office/drawing/2014/main" id="{CF4A6FCA-B4E7-8E46-9514-F013CD5E4130}"/>
+              </a:ext>
+            </a:extLst>
+          </p:cNvPr>
+          <p:cNvPicPr>
+            <a:picLocks noChangeAspect="1" noChangeArrowheads="1"/>
+          </p:cNvPicPr>
+          <p:nvPr/>
+        </p:nvPicPr>
+        <p:blipFill>
+          <a:blip r:embed="rId4">
+            <a:extLst>
+              <a:ext uri="{28A0092B-C50C-407E-A947-70E740481C1C}">
+                <a14:useLocalDpi xmlns:a14="http://schemas.microsoft.com/office/drawing/2010/main" val="0"/>
+              </a:ext>
+            </a:extLst>
+          </a:blip>
+          <a:srcRect/>
+          <a:stretch>
+            <a:fillRect/>
+          </a:stretch>
+        </p:blipFill>
+        <p:spPr bwMode="auto">
+          <a:xfrm>
+            <a:off x="635058" y="1557074"/>
+            <a:ext cx="403544" cy="250116"/>
+          </a:xfrm>
+          <a:prstGeom prst="rect">
+            <a:avLst/>
+          </a:prstGeom>
+          <a:noFill/>
+          <a:extLst>
+            <a:ext uri="{909E8E84-426E-40DD-AFC4-6F175D3DCCD1}">
+              <a14:hiddenFill xmlns:a14="http://schemas.microsoft.com/office/drawing/2010/main">
+                <a:solidFill>
+                  <a:srgbClr val="FFFFFF"/>
+                </a:solidFill>
+              </a14:hiddenFill>
+            </a:ext>
+          </a:extLst>
+        </p:spPr>
+      </p:pic>
+      <p:sp>
+        <p:nvSpPr>
+          <p:cNvPr id="43" name="Arrow: Right 18">
+            <a:extLst>
+              <a:ext uri="{FF2B5EF4-FFF2-40B4-BE49-F238E27FC236}">
+                <a16:creationId xmlns:a16="http://schemas.microsoft.com/office/drawing/2014/main" id="{1EFF0487-56A7-ED41-9E19-0065B7EE95AB}"/>
+              </a:ext>
+            </a:extLst>
+          </p:cNvPr>
+          <p:cNvSpPr/>
+          <p:nvPr/>
+        </p:nvSpPr>
+        <p:spPr>
+          <a:xfrm rot="2595401">
+            <a:off x="1231470" y="1700652"/>
+            <a:ext cx="997579" cy="363795"/>
+          </a:xfrm>
+          <a:prstGeom prst="rightArrow">
+            <a:avLst/>
+          </a:prstGeom>
+          <a:solidFill>
+            <a:schemeClr val="tx1">
+              <a:lumMod val="95000"/>
+              <a:lumOff val="5000"/>
+            </a:schemeClr>
+          </a:solidFill>
+          <a:ln>
+            <a:solidFill>
+              <a:schemeClr val="tx1"/>
+            </a:solidFill>
+          </a:ln>
+        </p:spPr>
+        <p:style>
+          <a:lnRef idx="2">
+            <a:schemeClr val="accent1">
+              <a:shade val="50000"/>
+            </a:schemeClr>
+          </a:lnRef>
+          <a:fillRef idx="1">
+            <a:schemeClr val="accent1"/>
+          </a:fillRef>
+          <a:effectRef idx="0">
+            <a:schemeClr val="accent1"/>
+          </a:effectRef>
+          <a:fontRef idx="minor">
+            <a:schemeClr val="lt1"/>
+          </a:fontRef>
+        </p:style>
+        <p:txBody>
+          <a:bodyPr rtlCol="0" anchor="ctr"/>
+          <a:lstStyle/>
+          <a:p>
+            <a:pPr algn="ctr"/>
+            <a:endParaRPr lang="en-US"/>
+          </a:p>
+        </p:txBody>
+      </p:sp>
+      <p:sp>
+        <p:nvSpPr>
+          <p:cNvPr id="44" name="TextBox 43">
+            <a:extLst>
+              <a:ext uri="{FF2B5EF4-FFF2-40B4-BE49-F238E27FC236}">
+                <a16:creationId xmlns:a16="http://schemas.microsoft.com/office/drawing/2014/main" id="{B4FE6EAE-F08B-814B-B6FC-336517752D58}"/>
+              </a:ext>
+            </a:extLst>
+          </p:cNvPr>
+          <p:cNvSpPr txBox="1"/>
+          <p:nvPr/>
+        </p:nvSpPr>
+        <p:spPr>
+          <a:xfrm rot="2534130">
+            <a:off x="1358649" y="1454703"/>
+            <a:ext cx="1037679" cy="338554"/>
+          </a:xfrm>
+          <a:prstGeom prst="rect">
+            <a:avLst/>
+          </a:prstGeom>
+          <a:noFill/>
         </p:spPr>
         <p:txBody>
           <a:bodyPr wrap="square" rtlCol="0">
@@ -4267,7 +4873,7 @@
             <a:pPr algn="ctr"/>
             <a:r>
               <a:rPr lang="en-US" sz="1600" dirty="0"/>
-              <a:t>Create  schematic</a:t>
+              <a:t>Import</a:t>
             </a:r>
           </a:p>
         </p:txBody>
